--- a/York Code Dojo - Code Golf.pptx
+++ b/York Code Dojo - Code Golf.pptx
@@ -5,7 +5,7 @@
     <p:sldMasterId id="2147483648" r:id="rId1"/>
   </p:sldMasterIdLst>
   <p:notesMasterIdLst>
-    <p:notesMasterId r:id="rId12"/>
+    <p:notesMasterId r:id="rId14"/>
   </p:notesMasterIdLst>
   <p:sldIdLst>
     <p:sldId id="256" r:id="rId2"/>
@@ -16,8 +16,10 @@
     <p:sldId id="268" r:id="rId7"/>
     <p:sldId id="271" r:id="rId8"/>
     <p:sldId id="274" r:id="rId9"/>
-    <p:sldId id="262" r:id="rId10"/>
-    <p:sldId id="270" r:id="rId11"/>
+    <p:sldId id="275" r:id="rId10"/>
+    <p:sldId id="261" r:id="rId11"/>
+    <p:sldId id="262" r:id="rId12"/>
+    <p:sldId id="270" r:id="rId13"/>
   </p:sldIdLst>
   <p:sldSz cx="12192000" cy="6858000"/>
   <p:notesSz cx="6742113" cy="9872663"/>
@@ -558,6 +560,90 @@
 </p:notes>
 </file>
 
+<file path=ppt/notesSlides/notesSlide10.xml><?xml version="1.0" encoding="utf-8"?>
+<p:notes xmlns:a="http://schemas.openxmlformats.org/drawingml/2006/main" xmlns:r="http://schemas.openxmlformats.org/officeDocument/2006/relationships" xmlns:p="http://schemas.openxmlformats.org/presentationml/2006/main">
+  <p:cSld>
+    <p:spTree>
+      <p:nvGrpSpPr>
+        <p:cNvPr id="1" name=""/>
+        <p:cNvGrpSpPr/>
+        <p:nvPr/>
+      </p:nvGrpSpPr>
+      <p:grpSpPr>
+        <a:xfrm>
+          <a:off x="0" y="0"/>
+          <a:ext cx="0" cy="0"/>
+          <a:chOff x="0" y="0"/>
+          <a:chExt cx="0" cy="0"/>
+        </a:xfrm>
+      </p:grpSpPr>
+      <p:sp>
+        <p:nvSpPr>
+          <p:cNvPr id="2" name="Slide Image Placeholder 1"/>
+          <p:cNvSpPr>
+            <a:spLocks noGrp="1" noRot="1" noChangeAspect="1"/>
+          </p:cNvSpPr>
+          <p:nvPr>
+            <p:ph type="sldImg"/>
+          </p:nvPr>
+        </p:nvSpPr>
+        <p:spPr/>
+      </p:sp>
+      <p:sp>
+        <p:nvSpPr>
+          <p:cNvPr id="3" name="Notes Placeholder 2"/>
+          <p:cNvSpPr>
+            <a:spLocks noGrp="1"/>
+          </p:cNvSpPr>
+          <p:nvPr>
+            <p:ph type="body" idx="1"/>
+          </p:nvPr>
+        </p:nvSpPr>
+        <p:spPr/>
+        <p:txBody>
+          <a:bodyPr/>
+          <a:lstStyle/>
+          <a:p>
+            <a:endParaRPr lang="en-GB" dirty="0"/>
+          </a:p>
+        </p:txBody>
+      </p:sp>
+      <p:sp>
+        <p:nvSpPr>
+          <p:cNvPr id="4" name="Slide Number Placeholder 3"/>
+          <p:cNvSpPr>
+            <a:spLocks noGrp="1"/>
+          </p:cNvSpPr>
+          <p:nvPr>
+            <p:ph type="sldNum" sz="quarter" idx="10"/>
+          </p:nvPr>
+        </p:nvSpPr>
+        <p:spPr/>
+        <p:txBody>
+          <a:bodyPr/>
+          <a:lstStyle/>
+          <a:p>
+            <a:fld id="{59855E35-2792-42B5-AA9B-1CC1651621A6}" type="slidenum">
+              <a:rPr lang="en-GB" smtClean="0"/>
+              <a:t>11</a:t>
+            </a:fld>
+            <a:endParaRPr lang="en-GB"/>
+          </a:p>
+        </p:txBody>
+      </p:sp>
+    </p:spTree>
+    <p:extLst>
+      <p:ext uri="{BB962C8B-B14F-4D97-AF65-F5344CB8AC3E}">
+        <p14:creationId xmlns:p14="http://schemas.microsoft.com/office/powerpoint/2010/main" val="1147015952"/>
+      </p:ext>
+    </p:extLst>
+  </p:cSld>
+  <p:clrMapOvr>
+    <a:masterClrMapping/>
+  </p:clrMapOvr>
+</p:notes>
+</file>
+
 <file path=ppt/notesSlides/notesSlide2.xml><?xml version="1.0" encoding="utf-8"?>
 <p:notes xmlns:a="http://schemas.openxmlformats.org/drawingml/2006/main" xmlns:r="http://schemas.openxmlformats.org/officeDocument/2006/relationships" xmlns:p="http://schemas.openxmlformats.org/presentationml/2006/main">
   <p:cSld>
@@ -1936,19 +2022,7 @@
           <a:bodyPr/>
           <a:lstStyle/>
           <a:p>
-            <a:r>
-              <a:rPr lang="en-GB" dirty="0"/>
-              <a:t>The only place that 7 can go in that row.</a:t>
-            </a:r>
-          </a:p>
-          <a:p>
             <a:endParaRPr lang="en-GB" dirty="0"/>
-          </a:p>
-          <a:p>
-            <a:r>
-              <a:rPr lang="en-GB" dirty="0"/>
-              <a:t>Show other sevens</a:t>
-            </a:r>
           </a:p>
         </p:txBody>
       </p:sp>
@@ -2032,7 +2106,10 @@
           <a:bodyPr/>
           <a:lstStyle/>
           <a:p>
-            <a:endParaRPr lang="en-GB" dirty="0"/>
+            <a:r>
+              <a:rPr lang="en-GB" dirty="0"/>
+              <a:t>Leave slide open</a:t>
+            </a:r>
           </a:p>
         </p:txBody>
       </p:sp>
@@ -2062,7 +2139,91 @@
     </p:spTree>
     <p:extLst>
       <p:ext uri="{BB962C8B-B14F-4D97-AF65-F5344CB8AC3E}">
-        <p14:creationId xmlns:p14="http://schemas.microsoft.com/office/powerpoint/2010/main" val="1147015952"/>
+        <p14:creationId xmlns:p14="http://schemas.microsoft.com/office/powerpoint/2010/main" val="2315305749"/>
+      </p:ext>
+    </p:extLst>
+  </p:cSld>
+  <p:clrMapOvr>
+    <a:masterClrMapping/>
+  </p:clrMapOvr>
+</p:notes>
+</file>
+
+<file path=ppt/notesSlides/notesSlide9.xml><?xml version="1.0" encoding="utf-8"?>
+<p:notes xmlns:a="http://schemas.openxmlformats.org/drawingml/2006/main" xmlns:r="http://schemas.openxmlformats.org/officeDocument/2006/relationships" xmlns:p="http://schemas.openxmlformats.org/presentationml/2006/main">
+  <p:cSld>
+    <p:spTree>
+      <p:nvGrpSpPr>
+        <p:cNvPr id="1" name=""/>
+        <p:cNvGrpSpPr/>
+        <p:nvPr/>
+      </p:nvGrpSpPr>
+      <p:grpSpPr>
+        <a:xfrm>
+          <a:off x="0" y="0"/>
+          <a:ext cx="0" cy="0"/>
+          <a:chOff x="0" y="0"/>
+          <a:chExt cx="0" cy="0"/>
+        </a:xfrm>
+      </p:grpSpPr>
+      <p:sp>
+        <p:nvSpPr>
+          <p:cNvPr id="2" name="Slide Image Placeholder 1"/>
+          <p:cNvSpPr>
+            <a:spLocks noGrp="1" noRot="1" noChangeAspect="1"/>
+          </p:cNvSpPr>
+          <p:nvPr>
+            <p:ph type="sldImg"/>
+          </p:nvPr>
+        </p:nvSpPr>
+        <p:spPr/>
+      </p:sp>
+      <p:sp>
+        <p:nvSpPr>
+          <p:cNvPr id="3" name="Notes Placeholder 2"/>
+          <p:cNvSpPr>
+            <a:spLocks noGrp="1"/>
+          </p:cNvSpPr>
+          <p:nvPr>
+            <p:ph type="body" idx="1"/>
+          </p:nvPr>
+        </p:nvSpPr>
+        <p:spPr/>
+        <p:txBody>
+          <a:bodyPr/>
+          <a:lstStyle/>
+          <a:p>
+            <a:endParaRPr lang="en-GB" dirty="0"/>
+          </a:p>
+        </p:txBody>
+      </p:sp>
+      <p:sp>
+        <p:nvSpPr>
+          <p:cNvPr id="4" name="Slide Number Placeholder 3"/>
+          <p:cNvSpPr>
+            <a:spLocks noGrp="1"/>
+          </p:cNvSpPr>
+          <p:nvPr>
+            <p:ph type="sldNum" sz="quarter" idx="10"/>
+          </p:nvPr>
+        </p:nvSpPr>
+        <p:spPr/>
+        <p:txBody>
+          <a:bodyPr/>
+          <a:lstStyle/>
+          <a:p>
+            <a:fld id="{59855E35-2792-42B5-AA9B-1CC1651621A6}" type="slidenum">
+              <a:rPr lang="en-GB" smtClean="0"/>
+              <a:t>10</a:t>
+            </a:fld>
+            <a:endParaRPr lang="en-GB"/>
+          </a:p>
+        </p:txBody>
+      </p:sp>
+    </p:spTree>
+    <p:extLst>
+      <p:ext uri="{BB962C8B-B14F-4D97-AF65-F5344CB8AC3E}">
+        <p14:creationId xmlns:p14="http://schemas.microsoft.com/office/powerpoint/2010/main" val="1985791130"/>
       </p:ext>
     </p:extLst>
   </p:cSld>
@@ -5017,6 +5178,243 @@
       </p:grpSpPr>
       <p:sp>
         <p:nvSpPr>
+          <p:cNvPr id="2" name="Title 1"/>
+          <p:cNvSpPr>
+            <a:spLocks noGrp="1"/>
+          </p:cNvSpPr>
+          <p:nvPr>
+            <p:ph type="title"/>
+          </p:nvPr>
+        </p:nvSpPr>
+        <p:spPr>
+          <a:xfrm>
+            <a:off x="1306286" y="365125"/>
+            <a:ext cx="10047514" cy="1325563"/>
+          </a:xfrm>
+        </p:spPr>
+        <p:txBody>
+          <a:bodyPr/>
+          <a:lstStyle/>
+          <a:p>
+            <a:r>
+              <a:rPr lang="en-GB" dirty="0"/>
+              <a:t>Score board</a:t>
+            </a:r>
+          </a:p>
+        </p:txBody>
+      </p:sp>
+      <p:sp>
+        <p:nvSpPr>
+          <p:cNvPr id="3" name="Content Placeholder 2"/>
+          <p:cNvSpPr>
+            <a:spLocks noGrp="1"/>
+          </p:cNvSpPr>
+          <p:nvPr>
+            <p:ph idx="1"/>
+          </p:nvPr>
+        </p:nvSpPr>
+        <p:spPr>
+          <a:xfrm>
+            <a:off x="1306286" y="1825625"/>
+            <a:ext cx="10047514" cy="4351338"/>
+          </a:xfrm>
+        </p:spPr>
+        <p:txBody>
+          <a:bodyPr/>
+          <a:lstStyle/>
+          <a:p>
+            <a:r>
+              <a:rPr lang="en-GB" dirty="0"/>
+              <a:t>Register your team on </a:t>
+            </a:r>
+            <a:r>
+              <a:rPr lang="en-GB" dirty="0">
+                <a:hlinkClick r:id="rId3"/>
+              </a:rPr>
+              <a:t>http://codegolf.azurewebsites.net</a:t>
+            </a:r>
+            <a:endParaRPr lang="en-GB" dirty="0"/>
+          </a:p>
+          <a:p>
+            <a:endParaRPr lang="en-GB" dirty="0">
+              <a:hlinkClick r:id=""/>
+            </a:endParaRPr>
+          </a:p>
+          <a:p>
+            <a:r>
+              <a:rPr lang="en-GB" dirty="0">
+                <a:hlinkClick r:id=""/>
+              </a:rPr>
+              <a:t>http://codegolf.azurewebsites.net/solution.txt</a:t>
+            </a:r>
+            <a:endParaRPr lang="en-GB" dirty="0"/>
+          </a:p>
+          <a:p>
+            <a:endParaRPr lang="en-GB" dirty="0"/>
+          </a:p>
+          <a:p>
+            <a:r>
+              <a:rPr lang="en-GB" dirty="0"/>
+              <a:t>Update the score board </a:t>
+            </a:r>
+            <a:r>
+              <a:rPr lang="en-GB"/>
+              <a:t>as you </a:t>
+            </a:r>
+            <a:r>
+              <a:rPr lang="en-GB" dirty="0"/>
+              <a:t>get shorter files</a:t>
+            </a:r>
+          </a:p>
+        </p:txBody>
+      </p:sp>
+    </p:spTree>
+    <p:extLst>
+      <p:ext uri="{BB962C8B-B14F-4D97-AF65-F5344CB8AC3E}">
+        <p14:creationId xmlns:p14="http://schemas.microsoft.com/office/powerpoint/2010/main" val="3539217044"/>
+      </p:ext>
+    </p:extLst>
+  </p:cSld>
+  <p:clrMapOvr>
+    <a:masterClrMapping/>
+  </p:clrMapOvr>
+</p:sld>
+</file>
+
+<file path=ppt/slides/slide11.xml><?xml version="1.0" encoding="utf-8"?>
+<p:sld xmlns:a="http://schemas.openxmlformats.org/drawingml/2006/main" xmlns:r="http://schemas.openxmlformats.org/officeDocument/2006/relationships" xmlns:p="http://schemas.openxmlformats.org/presentationml/2006/main">
+  <p:cSld>
+    <p:spTree>
+      <p:nvGrpSpPr>
+        <p:cNvPr id="1" name=""/>
+        <p:cNvGrpSpPr/>
+        <p:nvPr/>
+      </p:nvGrpSpPr>
+      <p:grpSpPr>
+        <a:xfrm>
+          <a:off x="0" y="0"/>
+          <a:ext cx="0" cy="0"/>
+          <a:chOff x="0" y="0"/>
+          <a:chExt cx="0" cy="0"/>
+        </a:xfrm>
+      </p:grpSpPr>
+      <p:sp>
+        <p:nvSpPr>
+          <p:cNvPr id="2" name="Title 1"/>
+          <p:cNvSpPr>
+            <a:spLocks noGrp="1"/>
+          </p:cNvSpPr>
+          <p:nvPr>
+            <p:ph type="title"/>
+          </p:nvPr>
+        </p:nvSpPr>
+        <p:spPr>
+          <a:xfrm>
+            <a:off x="1275906" y="365125"/>
+            <a:ext cx="10077893" cy="1325563"/>
+          </a:xfrm>
+        </p:spPr>
+        <p:txBody>
+          <a:bodyPr/>
+          <a:lstStyle/>
+          <a:p>
+            <a:r>
+              <a:rPr lang="en-GB" dirty="0"/>
+              <a:t>York Code Dojo – 2</a:t>
+            </a:r>
+            <a:r>
+              <a:rPr lang="en-GB" baseline="30000" dirty="0"/>
+              <a:t>nd</a:t>
+            </a:r>
+            <a:r>
+              <a:rPr lang="en-GB" dirty="0"/>
+              <a:t> Wednesday</a:t>
+            </a:r>
+          </a:p>
+        </p:txBody>
+      </p:sp>
+      <p:sp>
+        <p:nvSpPr>
+          <p:cNvPr id="3" name="Content Placeholder 2"/>
+          <p:cNvSpPr>
+            <a:spLocks noGrp="1"/>
+          </p:cNvSpPr>
+          <p:nvPr>
+            <p:ph idx="1"/>
+          </p:nvPr>
+        </p:nvSpPr>
+        <p:spPr>
+          <a:xfrm>
+            <a:off x="1424762" y="1825625"/>
+            <a:ext cx="9929037" cy="4351338"/>
+          </a:xfrm>
+        </p:spPr>
+        <p:txBody>
+          <a:bodyPr/>
+          <a:lstStyle/>
+          <a:p>
+            <a:endParaRPr lang="en-GB" dirty="0"/>
+          </a:p>
+          <a:p>
+            <a:r>
+              <a:rPr lang="en-GB" dirty="0"/>
+              <a:t>13</a:t>
+            </a:r>
+            <a:r>
+              <a:rPr lang="en-GB" baseline="30000" dirty="0"/>
+              <a:t>th</a:t>
+            </a:r>
+            <a:r>
+              <a:rPr lang="en-GB" dirty="0"/>
+              <a:t> Feb 2019– Interview style coding problems </a:t>
+            </a:r>
+          </a:p>
+          <a:p>
+            <a:endParaRPr lang="en-GB" dirty="0"/>
+          </a:p>
+          <a:p>
+            <a:endParaRPr lang="en-GB" dirty="0"/>
+          </a:p>
+          <a:p>
+            <a:endParaRPr lang="en-GB" dirty="0"/>
+          </a:p>
+          <a:p>
+            <a:endParaRPr lang="en-GB" dirty="0"/>
+          </a:p>
+        </p:txBody>
+      </p:sp>
+    </p:spTree>
+    <p:extLst>
+      <p:ext uri="{BB962C8B-B14F-4D97-AF65-F5344CB8AC3E}">
+        <p14:creationId xmlns:p14="http://schemas.microsoft.com/office/powerpoint/2010/main" val="2768969624"/>
+      </p:ext>
+    </p:extLst>
+  </p:cSld>
+  <p:clrMapOvr>
+    <a:masterClrMapping/>
+  </p:clrMapOvr>
+</p:sld>
+</file>
+
+<file path=ppt/slides/slide12.xml><?xml version="1.0" encoding="utf-8"?>
+<p:sld xmlns:a="http://schemas.openxmlformats.org/drawingml/2006/main" xmlns:r="http://schemas.openxmlformats.org/officeDocument/2006/relationships" xmlns:p="http://schemas.openxmlformats.org/presentationml/2006/main">
+  <p:cSld>
+    <p:spTree>
+      <p:nvGrpSpPr>
+        <p:cNvPr id="1" name=""/>
+        <p:cNvGrpSpPr/>
+        <p:nvPr/>
+      </p:nvGrpSpPr>
+      <p:grpSpPr>
+        <a:xfrm>
+          <a:off x="0" y="0"/>
+          <a:ext cx="0" cy="0"/>
+          <a:chOff x="0" y="0"/>
+          <a:chExt cx="0" cy="0"/>
+        </a:xfrm>
+      </p:grpSpPr>
+      <p:sp>
+        <p:nvSpPr>
           <p:cNvPr id="2" name="Title 1">
             <a:extLst>
               <a:ext uri="{FF2B5EF4-FFF2-40B4-BE49-F238E27FC236}">
@@ -5464,7 +5862,7 @@
         <p:spPr>
           <a:xfrm>
             <a:off x="1754372" y="1624730"/>
-            <a:ext cx="8683256" cy="4031873"/>
+            <a:ext cx="8683256" cy="3046988"/>
           </a:xfrm>
           <a:prstGeom prst="rect">
             <a:avLst/>
@@ -5501,12 +5899,6 @@
           </a:p>
           <a:p>
             <a:endParaRPr lang="en-GB" sz="3200" dirty="0"/>
-          </a:p>
-          <a:p>
-            <a:r>
-              <a:rPr lang="en-GB" sz="3200" dirty="0"/>
-              <a:t>Clever solutions are good,  but might not be counted if they aren’t in the spirit of things!</a:t>
-            </a:r>
           </a:p>
         </p:txBody>
       </p:sp>
@@ -6290,7 +6682,13 @@
       </p:grpSpPr>
       <p:sp>
         <p:nvSpPr>
-          <p:cNvPr id="2" name="Title 1"/>
+          <p:cNvPr id="2" name="Title 1">
+            <a:extLst>
+              <a:ext uri="{FF2B5EF4-FFF2-40B4-BE49-F238E27FC236}">
+                <a16:creationId xmlns:a16="http://schemas.microsoft.com/office/drawing/2014/main" id="{43BB30CF-FE2F-47D2-9556-6DAB492EB130}"/>
+              </a:ext>
+            </a:extLst>
+          </p:cNvPr>
           <p:cNvSpPr>
             <a:spLocks noGrp="1"/>
           </p:cNvSpPr>
@@ -6300,8 +6698,8 @@
         </p:nvSpPr>
         <p:spPr>
           <a:xfrm>
-            <a:off x="1275906" y="365125"/>
-            <a:ext cx="10077893" cy="1325563"/>
+            <a:off x="1134532" y="365125"/>
+            <a:ext cx="10219267" cy="1325563"/>
           </a:xfrm>
         </p:spPr>
         <p:txBody>
@@ -6310,22 +6708,20 @@
           <a:p>
             <a:r>
               <a:rPr lang="en-GB" dirty="0"/>
-              <a:t>York Code Dojo – 2</a:t>
-            </a:r>
-            <a:r>
-              <a:rPr lang="en-GB" baseline="30000" dirty="0"/>
-              <a:t>nd</a:t>
-            </a:r>
-            <a:r>
-              <a:rPr lang="en-GB" dirty="0"/>
-              <a:t> Wednesday</a:t>
-            </a:r>
-          </a:p>
-        </p:txBody>
-      </p:sp>
-      <p:sp>
-        <p:nvSpPr>
-          <p:cNvPr id="3" name="Content Placeholder 2"/>
+              <a:t>Rules</a:t>
+            </a:r>
+          </a:p>
+        </p:txBody>
+      </p:sp>
+      <p:sp>
+        <p:nvSpPr>
+          <p:cNvPr id="3" name="Content Placeholder 2">
+            <a:extLst>
+              <a:ext uri="{FF2B5EF4-FFF2-40B4-BE49-F238E27FC236}">
+                <a16:creationId xmlns:a16="http://schemas.microsoft.com/office/drawing/2014/main" id="{BC1D9DA2-3A0A-42A6-9D8F-F3CB3378E1F0}"/>
+              </a:ext>
+            </a:extLst>
+          </p:cNvPr>
           <p:cNvSpPr>
             <a:spLocks noGrp="1"/>
           </p:cNvSpPr>
@@ -6335,62 +6731,84 @@
         </p:nvSpPr>
         <p:spPr>
           <a:xfrm>
-            <a:off x="1424762" y="1825625"/>
-            <a:ext cx="9929037" cy="4351338"/>
-          </a:xfrm>
-        </p:spPr>
-        <p:txBody>
-          <a:bodyPr/>
-          <a:lstStyle/>
-          <a:p>
-            <a:r>
-              <a:rPr lang="en-GB" dirty="0"/>
-              <a:t>12</a:t>
-            </a:r>
-            <a:r>
-              <a:rPr lang="en-GB" baseline="30000" dirty="0"/>
-              <a:t>th</a:t>
-            </a:r>
-            <a:r>
-              <a:rPr lang="en-GB" dirty="0"/>
-              <a:t> December  2018 - Advent of Code Projects</a:t>
-            </a:r>
-          </a:p>
-          <a:p>
-            <a:endParaRPr lang="en-GB" dirty="0"/>
-          </a:p>
-          <a:p>
-            <a:r>
-              <a:rPr lang="en-GB" dirty="0"/>
-              <a:t>9</a:t>
-            </a:r>
-            <a:r>
-              <a:rPr lang="en-GB" baseline="30000" dirty="0"/>
-              <a:t>th</a:t>
-            </a:r>
-            <a:r>
-              <a:rPr lang="en-GB" dirty="0"/>
-              <a:t> January 2019– Interview style coding problems </a:t>
-            </a:r>
-          </a:p>
-          <a:p>
-            <a:endParaRPr lang="en-GB" dirty="0"/>
-          </a:p>
-          <a:p>
-            <a:endParaRPr lang="en-GB" dirty="0"/>
-          </a:p>
-          <a:p>
-            <a:endParaRPr lang="en-GB" dirty="0"/>
-          </a:p>
-          <a:p>
-            <a:endParaRPr lang="en-GB" dirty="0"/>
+            <a:off x="1354666" y="1825625"/>
+            <a:ext cx="9999133" cy="4351338"/>
+          </a:xfrm>
+        </p:spPr>
+        <p:txBody>
+          <a:bodyPr/>
+          <a:lstStyle/>
+          <a:p>
+            <a:pPr marL="285750" indent="-285750"/>
+            <a:r>
+              <a:rPr lang="en-GB" sz="1800" dirty="0"/>
+              <a:t>Your program’s output must match </a:t>
+            </a:r>
+            <a:r>
+              <a:rPr lang="en-GB" sz="1800" dirty="0">
+                <a:hlinkClick r:id="rId3"/>
+              </a:rPr>
+              <a:t>http://codegolf.azurewebsites.net/solution.txt</a:t>
+            </a:r>
+            <a:endParaRPr lang="en-GB" sz="1800" dirty="0"/>
+          </a:p>
+          <a:p>
+            <a:pPr marL="285750" indent="-285750"/>
+            <a:endParaRPr lang="en-GB" sz="1800" dirty="0"/>
+          </a:p>
+          <a:p>
+            <a:pPr marL="285750" indent="-285750"/>
+            <a:r>
+              <a:rPr lang="en-GB" sz="1800" dirty="0"/>
+              <a:t>Your program should produce no additional output</a:t>
+            </a:r>
+          </a:p>
+          <a:p>
+            <a:pPr marL="285750" indent="-285750"/>
+            <a:endParaRPr lang="en-GB" sz="1800" dirty="0"/>
+          </a:p>
+          <a:p>
+            <a:pPr marL="285750" indent="-285750"/>
+            <a:r>
+              <a:rPr lang="en-GB" sz="1800" dirty="0"/>
+              <a:t>The team with the smallest source code in bytes wins</a:t>
+            </a:r>
+          </a:p>
+          <a:p>
+            <a:pPr marL="285750" indent="-285750"/>
+            <a:endParaRPr lang="en-GB" sz="1800" dirty="0"/>
+          </a:p>
+          <a:p>
+            <a:pPr marL="285750" indent="-285750"/>
+            <a:r>
+              <a:rPr lang="en-GB" sz="1800" dirty="0"/>
+              <a:t>There a few ways to cheat,  so try to keep to spirt of the game.  </a:t>
+            </a:r>
+          </a:p>
+          <a:p>
+            <a:pPr marL="285750" indent="-285750"/>
+            <a:endParaRPr lang="en-GB" sz="1800" dirty="0"/>
+          </a:p>
+          <a:p>
+            <a:pPr marL="285750" indent="-285750"/>
+            <a:r>
+              <a:rPr lang="en-GB" sz="1800" dirty="0"/>
+              <a:t>That said,  feel free to come up with clever solutions,  but they might not be accepted!</a:t>
+            </a:r>
+          </a:p>
+          <a:p>
+            <a:pPr marL="285750" indent="-285750"/>
+            <a:endParaRPr lang="en-GB" sz="1800" dirty="0"/>
+          </a:p>
+          <a:p>
+            <a:endParaRPr lang="en-GB" sz="1800" dirty="0"/>
           </a:p>
         </p:txBody>
       </p:sp>
     </p:spTree>
     <p:extLst>
       <p:ext uri="{BB962C8B-B14F-4D97-AF65-F5344CB8AC3E}">
-        <p14:creationId xmlns:p14="http://schemas.microsoft.com/office/powerpoint/2010/main" val="2768969624"/>
+        <p14:creationId xmlns:p14="http://schemas.microsoft.com/office/powerpoint/2010/main" val="2975536010"/>
       </p:ext>
     </p:extLst>
   </p:cSld>
